--- a/Apresentação/power point.pptx
+++ b/Apresentação/power point.pptx
@@ -23,12 +23,15 @@
     <p:sldId id="272" r:id="rId17"/>
     <p:sldId id="273" r:id="rId18"/>
     <p:sldId id="274" r:id="rId19"/>
-    <p:sldId id="275" r:id="rId20"/>
-    <p:sldId id="276" r:id="rId21"/>
-    <p:sldId id="277" r:id="rId22"/>
-    <p:sldId id="278" r:id="rId23"/>
-    <p:sldId id="279" r:id="rId24"/>
-    <p:sldId id="280" r:id="rId25"/>
+    <p:sldId id="281" r:id="rId20"/>
+    <p:sldId id="275" r:id="rId21"/>
+    <p:sldId id="276" r:id="rId22"/>
+    <p:sldId id="277" r:id="rId23"/>
+    <p:sldId id="278" r:id="rId24"/>
+    <p:sldId id="282" r:id="rId25"/>
+    <p:sldId id="279" r:id="rId26"/>
+    <p:sldId id="283" r:id="rId27"/>
+    <p:sldId id="280" r:id="rId28"/>
   </p:sldIdLst>
   <p:sldSz cx="12192000" cy="6858000"/>
   <p:notesSz cx="6858000" cy="9144000"/>
@@ -177,10 +180,9 @@
           </a:lstStyle>
           <a:p>
             <a:r>
-              <a:rPr lang="pt-BR" smtClean="0"/>
+              <a:rPr lang="pt-BR"/>
               <a:t>Clique para editar o título mestre</a:t>
             </a:r>
-            <a:endParaRPr lang="pt-BR"/>
           </a:p>
         </p:txBody>
       </p:sp>
@@ -242,10 +244,9 @@
           </a:lstStyle>
           <a:p>
             <a:r>
-              <a:rPr lang="pt-BR" smtClean="0"/>
+              <a:rPr lang="pt-BR"/>
               <a:t>Clique para editar o estilo do subtítulo mestre</a:t>
             </a:r>
-            <a:endParaRPr lang="pt-BR"/>
           </a:p>
         </p:txBody>
       </p:sp>
@@ -360,10 +361,9 @@
           <a:lstStyle/>
           <a:p>
             <a:r>
-              <a:rPr lang="pt-BR" smtClean="0"/>
+              <a:rPr lang="pt-BR"/>
               <a:t>Clique para editar o título mestre</a:t>
             </a:r>
-            <a:endParaRPr lang="pt-BR"/>
           </a:p>
         </p:txBody>
       </p:sp>
@@ -384,38 +384,37 @@
           <a:p>
             <a:pPr lvl="0"/>
             <a:r>
-              <a:rPr lang="pt-BR" smtClean="0"/>
+              <a:rPr lang="pt-BR"/>
               <a:t>Clique para editar o texto mestre</a:t>
             </a:r>
           </a:p>
           <a:p>
             <a:pPr lvl="1"/>
             <a:r>
-              <a:rPr lang="pt-BR" smtClean="0"/>
+              <a:rPr lang="pt-BR"/>
               <a:t>Segundo nível</a:t>
             </a:r>
           </a:p>
           <a:p>
             <a:pPr lvl="2"/>
             <a:r>
-              <a:rPr lang="pt-BR" smtClean="0"/>
+              <a:rPr lang="pt-BR"/>
               <a:t>Terceiro nível</a:t>
             </a:r>
           </a:p>
           <a:p>
             <a:pPr lvl="3"/>
             <a:r>
-              <a:rPr lang="pt-BR" smtClean="0"/>
+              <a:rPr lang="pt-BR"/>
               <a:t>Quarto nível</a:t>
             </a:r>
           </a:p>
           <a:p>
             <a:pPr lvl="4"/>
             <a:r>
-              <a:rPr lang="pt-BR" smtClean="0"/>
+              <a:rPr lang="pt-BR"/>
               <a:t>Quinto nível</a:t>
             </a:r>
-            <a:endParaRPr lang="pt-BR"/>
           </a:p>
         </p:txBody>
       </p:sp>
@@ -535,10 +534,9 @@
           <a:lstStyle/>
           <a:p>
             <a:r>
-              <a:rPr lang="pt-BR" smtClean="0"/>
+              <a:rPr lang="pt-BR"/>
               <a:t>Clique para editar o título mestre</a:t>
             </a:r>
-            <a:endParaRPr lang="pt-BR"/>
           </a:p>
         </p:txBody>
       </p:sp>
@@ -564,38 +562,37 @@
           <a:p>
             <a:pPr lvl="0"/>
             <a:r>
-              <a:rPr lang="pt-BR" smtClean="0"/>
+              <a:rPr lang="pt-BR"/>
               <a:t>Clique para editar o texto mestre</a:t>
             </a:r>
           </a:p>
           <a:p>
             <a:pPr lvl="1"/>
             <a:r>
-              <a:rPr lang="pt-BR" smtClean="0"/>
+              <a:rPr lang="pt-BR"/>
               <a:t>Segundo nível</a:t>
             </a:r>
           </a:p>
           <a:p>
             <a:pPr lvl="2"/>
             <a:r>
-              <a:rPr lang="pt-BR" smtClean="0"/>
+              <a:rPr lang="pt-BR"/>
               <a:t>Terceiro nível</a:t>
             </a:r>
           </a:p>
           <a:p>
             <a:pPr lvl="3"/>
             <a:r>
-              <a:rPr lang="pt-BR" smtClean="0"/>
+              <a:rPr lang="pt-BR"/>
               <a:t>Quarto nível</a:t>
             </a:r>
           </a:p>
           <a:p>
             <a:pPr lvl="4"/>
             <a:r>
-              <a:rPr lang="pt-BR" smtClean="0"/>
+              <a:rPr lang="pt-BR"/>
               <a:t>Quinto nível</a:t>
             </a:r>
-            <a:endParaRPr lang="pt-BR"/>
           </a:p>
         </p:txBody>
       </p:sp>
@@ -710,10 +707,9 @@
           <a:lstStyle/>
           <a:p>
             <a:r>
-              <a:rPr lang="pt-BR" smtClean="0"/>
+              <a:rPr lang="pt-BR"/>
               <a:t>Clique para editar o título mestre</a:t>
             </a:r>
-            <a:endParaRPr lang="pt-BR"/>
           </a:p>
         </p:txBody>
       </p:sp>
@@ -734,38 +730,37 @@
           <a:p>
             <a:pPr lvl="0"/>
             <a:r>
-              <a:rPr lang="pt-BR" smtClean="0"/>
+              <a:rPr lang="pt-BR"/>
               <a:t>Clique para editar o texto mestre</a:t>
             </a:r>
           </a:p>
           <a:p>
             <a:pPr lvl="1"/>
             <a:r>
-              <a:rPr lang="pt-BR" smtClean="0"/>
+              <a:rPr lang="pt-BR"/>
               <a:t>Segundo nível</a:t>
             </a:r>
           </a:p>
           <a:p>
             <a:pPr lvl="2"/>
             <a:r>
-              <a:rPr lang="pt-BR" smtClean="0"/>
+              <a:rPr lang="pt-BR"/>
               <a:t>Terceiro nível</a:t>
             </a:r>
           </a:p>
           <a:p>
             <a:pPr lvl="3"/>
             <a:r>
-              <a:rPr lang="pt-BR" smtClean="0"/>
+              <a:rPr lang="pt-BR"/>
               <a:t>Quarto nível</a:t>
             </a:r>
           </a:p>
           <a:p>
             <a:pPr lvl="4"/>
             <a:r>
-              <a:rPr lang="pt-BR" smtClean="0"/>
+              <a:rPr lang="pt-BR"/>
               <a:t>Quinto nível</a:t>
             </a:r>
-            <a:endParaRPr lang="pt-BR"/>
           </a:p>
         </p:txBody>
       </p:sp>
@@ -889,10 +884,9 @@
           </a:lstStyle>
           <a:p>
             <a:r>
-              <a:rPr lang="pt-BR" smtClean="0"/>
+              <a:rPr lang="pt-BR"/>
               <a:t>Clique para editar o título mestre</a:t>
             </a:r>
-            <a:endParaRPr lang="pt-BR"/>
           </a:p>
         </p:txBody>
       </p:sp>
@@ -1009,7 +1003,7 @@
           <a:p>
             <a:pPr lvl="0"/>
             <a:r>
-              <a:rPr lang="pt-BR" smtClean="0"/>
+              <a:rPr lang="pt-BR"/>
               <a:t>Clique para editar o texto mestre</a:t>
             </a:r>
           </a:p>
@@ -1126,10 +1120,9 @@
           <a:lstStyle/>
           <a:p>
             <a:r>
-              <a:rPr lang="pt-BR" smtClean="0"/>
+              <a:rPr lang="pt-BR"/>
               <a:t>Clique para editar o título mestre</a:t>
             </a:r>
-            <a:endParaRPr lang="pt-BR"/>
           </a:p>
         </p:txBody>
       </p:sp>
@@ -1155,38 +1148,37 @@
           <a:p>
             <a:pPr lvl="0"/>
             <a:r>
-              <a:rPr lang="pt-BR" smtClean="0"/>
+              <a:rPr lang="pt-BR"/>
               <a:t>Clique para editar o texto mestre</a:t>
             </a:r>
           </a:p>
           <a:p>
             <a:pPr lvl="1"/>
             <a:r>
-              <a:rPr lang="pt-BR" smtClean="0"/>
+              <a:rPr lang="pt-BR"/>
               <a:t>Segundo nível</a:t>
             </a:r>
           </a:p>
           <a:p>
             <a:pPr lvl="2"/>
             <a:r>
-              <a:rPr lang="pt-BR" smtClean="0"/>
+              <a:rPr lang="pt-BR"/>
               <a:t>Terceiro nível</a:t>
             </a:r>
           </a:p>
           <a:p>
             <a:pPr lvl="3"/>
             <a:r>
-              <a:rPr lang="pt-BR" smtClean="0"/>
+              <a:rPr lang="pt-BR"/>
               <a:t>Quarto nível</a:t>
             </a:r>
           </a:p>
           <a:p>
             <a:pPr lvl="4"/>
             <a:r>
-              <a:rPr lang="pt-BR" smtClean="0"/>
+              <a:rPr lang="pt-BR"/>
               <a:t>Quinto nível</a:t>
             </a:r>
-            <a:endParaRPr lang="pt-BR"/>
           </a:p>
         </p:txBody>
       </p:sp>
@@ -1212,38 +1204,37 @@
           <a:p>
             <a:pPr lvl="0"/>
             <a:r>
-              <a:rPr lang="pt-BR" smtClean="0"/>
+              <a:rPr lang="pt-BR"/>
               <a:t>Clique para editar o texto mestre</a:t>
             </a:r>
           </a:p>
           <a:p>
             <a:pPr lvl="1"/>
             <a:r>
-              <a:rPr lang="pt-BR" smtClean="0"/>
+              <a:rPr lang="pt-BR"/>
               <a:t>Segundo nível</a:t>
             </a:r>
           </a:p>
           <a:p>
             <a:pPr lvl="2"/>
             <a:r>
-              <a:rPr lang="pt-BR" smtClean="0"/>
+              <a:rPr lang="pt-BR"/>
               <a:t>Terceiro nível</a:t>
             </a:r>
           </a:p>
           <a:p>
             <a:pPr lvl="3"/>
             <a:r>
-              <a:rPr lang="pt-BR" smtClean="0"/>
+              <a:rPr lang="pt-BR"/>
               <a:t>Quarto nível</a:t>
             </a:r>
           </a:p>
           <a:p>
             <a:pPr lvl="4"/>
             <a:r>
-              <a:rPr lang="pt-BR" smtClean="0"/>
+              <a:rPr lang="pt-BR"/>
               <a:t>Quinto nível</a:t>
             </a:r>
-            <a:endParaRPr lang="pt-BR"/>
           </a:p>
         </p:txBody>
       </p:sp>
@@ -1363,10 +1354,9 @@
           <a:lstStyle/>
           <a:p>
             <a:r>
-              <a:rPr lang="pt-BR" smtClean="0"/>
+              <a:rPr lang="pt-BR"/>
               <a:t>Clique para editar o título mestre</a:t>
             </a:r>
-            <a:endParaRPr lang="pt-BR"/>
           </a:p>
         </p:txBody>
       </p:sp>
@@ -1429,7 +1419,7 @@
           <a:p>
             <a:pPr lvl="0"/>
             <a:r>
-              <a:rPr lang="pt-BR" smtClean="0"/>
+              <a:rPr lang="pt-BR"/>
               <a:t>Clique para editar o texto mestre</a:t>
             </a:r>
           </a:p>
@@ -1457,38 +1447,37 @@
           <a:p>
             <a:pPr lvl="0"/>
             <a:r>
-              <a:rPr lang="pt-BR" smtClean="0"/>
+              <a:rPr lang="pt-BR"/>
               <a:t>Clique para editar o texto mestre</a:t>
             </a:r>
           </a:p>
           <a:p>
             <a:pPr lvl="1"/>
             <a:r>
-              <a:rPr lang="pt-BR" smtClean="0"/>
+              <a:rPr lang="pt-BR"/>
               <a:t>Segundo nível</a:t>
             </a:r>
           </a:p>
           <a:p>
             <a:pPr lvl="2"/>
             <a:r>
-              <a:rPr lang="pt-BR" smtClean="0"/>
+              <a:rPr lang="pt-BR"/>
               <a:t>Terceiro nível</a:t>
             </a:r>
           </a:p>
           <a:p>
             <a:pPr lvl="3"/>
             <a:r>
-              <a:rPr lang="pt-BR" smtClean="0"/>
+              <a:rPr lang="pt-BR"/>
               <a:t>Quarto nível</a:t>
             </a:r>
           </a:p>
           <a:p>
             <a:pPr lvl="4"/>
             <a:r>
-              <a:rPr lang="pt-BR" smtClean="0"/>
+              <a:rPr lang="pt-BR"/>
               <a:t>Quinto nível</a:t>
             </a:r>
-            <a:endParaRPr lang="pt-BR"/>
           </a:p>
         </p:txBody>
       </p:sp>
@@ -1551,7 +1540,7 @@
           <a:p>
             <a:pPr lvl="0"/>
             <a:r>
-              <a:rPr lang="pt-BR" smtClean="0"/>
+              <a:rPr lang="pt-BR"/>
               <a:t>Clique para editar o texto mestre</a:t>
             </a:r>
           </a:p>
@@ -1579,38 +1568,37 @@
           <a:p>
             <a:pPr lvl="0"/>
             <a:r>
-              <a:rPr lang="pt-BR" smtClean="0"/>
+              <a:rPr lang="pt-BR"/>
               <a:t>Clique para editar o texto mestre</a:t>
             </a:r>
           </a:p>
           <a:p>
             <a:pPr lvl="1"/>
             <a:r>
-              <a:rPr lang="pt-BR" smtClean="0"/>
+              <a:rPr lang="pt-BR"/>
               <a:t>Segundo nível</a:t>
             </a:r>
           </a:p>
           <a:p>
             <a:pPr lvl="2"/>
             <a:r>
-              <a:rPr lang="pt-BR" smtClean="0"/>
+              <a:rPr lang="pt-BR"/>
               <a:t>Terceiro nível</a:t>
             </a:r>
           </a:p>
           <a:p>
             <a:pPr lvl="3"/>
             <a:r>
-              <a:rPr lang="pt-BR" smtClean="0"/>
+              <a:rPr lang="pt-BR"/>
               <a:t>Quarto nível</a:t>
             </a:r>
           </a:p>
           <a:p>
             <a:pPr lvl="4"/>
             <a:r>
-              <a:rPr lang="pt-BR" smtClean="0"/>
+              <a:rPr lang="pt-BR"/>
               <a:t>Quinto nível</a:t>
             </a:r>
-            <a:endParaRPr lang="pt-BR"/>
           </a:p>
         </p:txBody>
       </p:sp>
@@ -1725,10 +1713,9 @@
           <a:lstStyle/>
           <a:p>
             <a:r>
-              <a:rPr lang="pt-BR" smtClean="0"/>
+              <a:rPr lang="pt-BR"/>
               <a:t>Clique para editar o título mestre</a:t>
             </a:r>
-            <a:endParaRPr lang="pt-BR"/>
           </a:p>
         </p:txBody>
       </p:sp>
@@ -1947,10 +1934,9 @@
           </a:lstStyle>
           <a:p>
             <a:r>
-              <a:rPr lang="pt-BR" smtClean="0"/>
+              <a:rPr lang="pt-BR"/>
               <a:t>Clique para editar o título mestre</a:t>
             </a:r>
-            <a:endParaRPr lang="pt-BR"/>
           </a:p>
         </p:txBody>
       </p:sp>
@@ -2004,38 +1990,37 @@
           <a:p>
             <a:pPr lvl="0"/>
             <a:r>
-              <a:rPr lang="pt-BR" smtClean="0"/>
+              <a:rPr lang="pt-BR"/>
               <a:t>Clique para editar o texto mestre</a:t>
             </a:r>
           </a:p>
           <a:p>
             <a:pPr lvl="1"/>
             <a:r>
-              <a:rPr lang="pt-BR" smtClean="0"/>
+              <a:rPr lang="pt-BR"/>
               <a:t>Segundo nível</a:t>
             </a:r>
           </a:p>
           <a:p>
             <a:pPr lvl="2"/>
             <a:r>
-              <a:rPr lang="pt-BR" smtClean="0"/>
+              <a:rPr lang="pt-BR"/>
               <a:t>Terceiro nível</a:t>
             </a:r>
           </a:p>
           <a:p>
             <a:pPr lvl="3"/>
             <a:r>
-              <a:rPr lang="pt-BR" smtClean="0"/>
+              <a:rPr lang="pt-BR"/>
               <a:t>Quarto nível</a:t>
             </a:r>
           </a:p>
           <a:p>
             <a:pPr lvl="4"/>
             <a:r>
-              <a:rPr lang="pt-BR" smtClean="0"/>
+              <a:rPr lang="pt-BR"/>
               <a:t>Quinto nível</a:t>
             </a:r>
-            <a:endParaRPr lang="pt-BR"/>
           </a:p>
         </p:txBody>
       </p:sp>
@@ -2098,7 +2083,7 @@
           <a:p>
             <a:pPr lvl="0"/>
             <a:r>
-              <a:rPr lang="pt-BR" smtClean="0"/>
+              <a:rPr lang="pt-BR"/>
               <a:t>Clique para editar o texto mestre</a:t>
             </a:r>
           </a:p>
@@ -2224,10 +2209,9 @@
           </a:lstStyle>
           <a:p>
             <a:r>
-              <a:rPr lang="pt-BR" smtClean="0"/>
+              <a:rPr lang="pt-BR"/>
               <a:t>Clique para editar o título mestre</a:t>
             </a:r>
-            <a:endParaRPr lang="pt-BR"/>
           </a:p>
         </p:txBody>
       </p:sp>
@@ -2351,7 +2335,7 @@
           <a:p>
             <a:pPr lvl="0"/>
             <a:r>
-              <a:rPr lang="pt-BR" smtClean="0"/>
+              <a:rPr lang="pt-BR"/>
               <a:t>Clique para editar o texto mestre</a:t>
             </a:r>
           </a:p>
@@ -2486,10 +2470,9 @@
           <a:lstStyle/>
           <a:p>
             <a:r>
-              <a:rPr lang="pt-BR" smtClean="0"/>
+              <a:rPr lang="pt-BR"/>
               <a:t>Clique para editar o título mestre</a:t>
             </a:r>
-            <a:endParaRPr lang="pt-BR"/>
           </a:p>
         </p:txBody>
       </p:sp>
@@ -2520,38 +2503,37 @@
           <a:p>
             <a:pPr lvl="0"/>
             <a:r>
-              <a:rPr lang="pt-BR" smtClean="0"/>
+              <a:rPr lang="pt-BR"/>
               <a:t>Clique para editar o texto mestre</a:t>
             </a:r>
           </a:p>
           <a:p>
             <a:pPr lvl="1"/>
             <a:r>
-              <a:rPr lang="pt-BR" smtClean="0"/>
+              <a:rPr lang="pt-BR"/>
               <a:t>Segundo nível</a:t>
             </a:r>
           </a:p>
           <a:p>
             <a:pPr lvl="2"/>
             <a:r>
-              <a:rPr lang="pt-BR" smtClean="0"/>
+              <a:rPr lang="pt-BR"/>
               <a:t>Terceiro nível</a:t>
             </a:r>
           </a:p>
           <a:p>
             <a:pPr lvl="3"/>
             <a:r>
-              <a:rPr lang="pt-BR" smtClean="0"/>
+              <a:rPr lang="pt-BR"/>
               <a:t>Quarto nível</a:t>
             </a:r>
           </a:p>
           <a:p>
             <a:pPr lvl="4"/>
             <a:r>
-              <a:rPr lang="pt-BR" smtClean="0"/>
+              <a:rPr lang="pt-BR"/>
               <a:t>Quinto nível</a:t>
             </a:r>
-            <a:endParaRPr lang="pt-BR"/>
           </a:p>
         </p:txBody>
       </p:sp>
@@ -3018,56 +3000,44 @@
           <a:lstStyle/>
           <a:p>
             <a:r>
-              <a:rPr lang="pt-BR" dirty="0" err="1" smtClean="0"/>
+              <a:rPr lang="pt-BR" dirty="0" err="1"/>
               <a:t>Marcito</a:t>
             </a:r>
             <a:r>
-              <a:rPr lang="pt-BR" dirty="0" smtClean="0"/>
+              <a:rPr lang="pt-BR" dirty="0"/>
               <a:t> Campos</a:t>
             </a:r>
             <a:br>
-              <a:rPr lang="pt-BR" dirty="0" smtClean="0"/>
+              <a:rPr lang="pt-BR" dirty="0"/>
             </a:br>
             <a:r>
-              <a:rPr lang="pt-BR" dirty="0" smtClean="0"/>
+              <a:rPr lang="pt-BR" dirty="0"/>
               <a:t>Rodrigo </a:t>
             </a:r>
             <a:r>
-              <a:rPr lang="pt-BR" dirty="0" err="1" smtClean="0"/>
+              <a:rPr lang="pt-BR" dirty="0" err="1"/>
               <a:t>Hagstrom</a:t>
             </a:r>
-            <a:r>
-              <a:rPr lang="pt-BR" dirty="0" smtClean="0"/>
-              <a:t/>
-            </a:r>
             <a:br>
-              <a:rPr lang="pt-BR" dirty="0" smtClean="0"/>
+              <a:rPr lang="pt-BR" dirty="0"/>
             </a:br>
             <a:r>
-              <a:rPr lang="pt-BR" dirty="0" err="1" smtClean="0"/>
+              <a:rPr lang="pt-BR" dirty="0" err="1"/>
               <a:t>Tássio</a:t>
             </a:r>
             <a:r>
-              <a:rPr lang="pt-BR" dirty="0" smtClean="0"/>
+              <a:rPr lang="pt-BR" dirty="0"/>
               <a:t> Melo</a:t>
             </a:r>
             <a:br>
-              <a:rPr lang="pt-BR" dirty="0" smtClean="0"/>
+              <a:rPr lang="pt-BR" dirty="0"/>
             </a:br>
             <a:r>
-              <a:rPr lang="pt-BR" dirty="0" smtClean="0"/>
+              <a:rPr lang="pt-BR" dirty="0"/>
               <a:t>Welder Luz</a:t>
             </a:r>
-            <a:r>
-              <a:rPr lang="pt-BR" dirty="0" smtClean="0">
-                <a:solidFill>
-                  <a:srgbClr val="EEE8D5"/>
-                </a:solidFill>
-              </a:rPr>
-              <a:t/>
-            </a:r>
             <a:br>
-              <a:rPr lang="pt-BR" dirty="0" smtClean="0">
+              <a:rPr lang="pt-BR" dirty="0">
                 <a:solidFill>
                   <a:srgbClr val="EEE8D5"/>
                 </a:solidFill>
@@ -3134,10 +3104,9 @@
           <a:lstStyle/>
           <a:p>
             <a:r>
-              <a:rPr lang="pt-BR" sz="6000" b="1" u="sng" dirty="0" smtClean="0"/>
+              <a:rPr lang="pt-BR" sz="6000" b="1" u="sng" dirty="0"/>
               <a:t>SGBD</a:t>
             </a:r>
-            <a:endParaRPr lang="pt-BR" sz="6000" b="1" u="sng" dirty="0"/>
           </a:p>
         </p:txBody>
       </p:sp>
@@ -3157,7 +3126,7 @@
           <a:lstStyle/>
           <a:p>
             <a:r>
-              <a:rPr lang="pt-BR" sz="3600" dirty="0" smtClean="0"/>
+              <a:rPr lang="pt-BR" sz="3600" dirty="0"/>
               <a:t>Maria DB;</a:t>
             </a:r>
           </a:p>
@@ -3165,16 +3134,16 @@
             <a:pPr marL="0" indent="0">
               <a:buNone/>
             </a:pPr>
-            <a:endParaRPr lang="pt-BR" dirty="0" smtClean="0"/>
+            <a:endParaRPr lang="pt-BR" dirty="0"/>
           </a:p>
           <a:p>
             <a:pPr lvl="1"/>
             <a:r>
-              <a:rPr lang="pt-BR" sz="3200" dirty="0" err="1" smtClean="0"/>
+              <a:rPr lang="pt-BR" sz="3200" dirty="0" err="1"/>
               <a:t>Fork</a:t>
             </a:r>
             <a:r>
-              <a:rPr lang="pt-BR" sz="3200" dirty="0" smtClean="0"/>
+              <a:rPr lang="pt-BR" sz="3200" dirty="0"/>
               <a:t> do MySQL após aquisição pela Oracle;</a:t>
             </a:r>
           </a:p>
@@ -3182,32 +3151,48 @@
             <a:pPr marL="457200" lvl="1" indent="0">
               <a:buNone/>
             </a:pPr>
-            <a:endParaRPr lang="pt-BR" sz="3200" dirty="0" smtClean="0"/>
+            <a:endParaRPr lang="pt-BR" sz="3200" dirty="0"/>
           </a:p>
           <a:p>
             <a:pPr lvl="1"/>
             <a:r>
-              <a:rPr lang="pt-BR" sz="3200" dirty="0" smtClean="0"/>
+              <a:rPr lang="pt-BR" sz="3200" dirty="0"/>
               <a:t>Motivos da escolha:</a:t>
             </a:r>
           </a:p>
           <a:p>
             <a:pPr lvl="2"/>
             <a:r>
-              <a:rPr lang="pt-BR" sz="2800" dirty="0" smtClean="0"/>
+              <a:rPr lang="pt-BR" sz="2800" dirty="0"/>
               <a:t>Simplicidade;</a:t>
             </a:r>
           </a:p>
           <a:p>
             <a:pPr lvl="2"/>
             <a:r>
-              <a:rPr lang="pt-BR" sz="2800" dirty="0" smtClean="0"/>
-              <a:t>Licença GLP.</a:t>
+              <a:rPr lang="pt-BR" sz="2800" dirty="0"/>
+              <a:t>GPL – General </a:t>
+            </a:r>
+            <a:r>
+              <a:rPr lang="pt-BR" sz="2800" dirty="0" err="1"/>
+              <a:t>Public</a:t>
+            </a:r>
+            <a:r>
+              <a:rPr lang="pt-BR" sz="2800" dirty="0"/>
+              <a:t> </a:t>
+            </a:r>
+            <a:r>
+              <a:rPr lang="pt-BR" sz="2800" dirty="0" err="1"/>
+              <a:t>License</a:t>
+            </a:r>
+            <a:r>
+              <a:rPr lang="pt-BR" sz="2800" dirty="0"/>
+              <a:t>.</a:t>
             </a:r>
           </a:p>
           <a:p>
             <a:pPr lvl="1"/>
-            <a:endParaRPr lang="pt-BR" dirty="0" smtClean="0"/>
+            <a:endParaRPr lang="pt-BR" dirty="0"/>
           </a:p>
         </p:txBody>
       </p:sp>
@@ -3264,10 +3249,9 @@
           <a:lstStyle/>
           <a:p>
             <a:r>
-              <a:rPr lang="pt-BR" b="1" u="sng" dirty="0" smtClean="0"/>
+              <a:rPr lang="pt-BR" b="1" u="sng" dirty="0"/>
               <a:t>Criação do banco de dados (1/2)</a:t>
             </a:r>
-            <a:endParaRPr lang="pt-BR" b="1" u="sng" dirty="0"/>
           </a:p>
         </p:txBody>
       </p:sp>
@@ -3402,10 +3386,9 @@
           <a:lstStyle/>
           <a:p>
             <a:r>
-              <a:rPr lang="pt-BR" b="1" u="sng" dirty="0" smtClean="0"/>
+              <a:rPr lang="pt-BR" b="1" u="sng" dirty="0"/>
               <a:t>Criação do banco de dados (2/2)</a:t>
             </a:r>
-            <a:endParaRPr lang="pt-BR" b="1" u="sng" dirty="0"/>
           </a:p>
         </p:txBody>
       </p:sp>
@@ -3486,10 +3469,9 @@
           <a:lstStyle/>
           <a:p>
             <a:r>
-              <a:rPr lang="pt-BR" sz="4800" b="1" u="sng" dirty="0" smtClean="0"/>
+              <a:rPr lang="pt-BR" sz="4800" b="1" u="sng" dirty="0"/>
               <a:t>Procedure (1/3)</a:t>
             </a:r>
-            <a:endParaRPr lang="pt-BR" sz="4800" b="1" u="sng" dirty="0"/>
           </a:p>
         </p:txBody>
       </p:sp>
@@ -3570,10 +3552,9 @@
           <a:lstStyle/>
           <a:p>
             <a:r>
-              <a:rPr lang="pt-BR" sz="4800" b="1" u="sng" dirty="0" smtClean="0"/>
+              <a:rPr lang="pt-BR" sz="4800" b="1" u="sng" dirty="0"/>
               <a:t>Procedure (2/3)</a:t>
             </a:r>
-            <a:endParaRPr lang="pt-BR" sz="4800" b="1" u="sng" dirty="0"/>
           </a:p>
         </p:txBody>
       </p:sp>
@@ -3654,10 +3635,9 @@
           <a:lstStyle/>
           <a:p>
             <a:r>
-              <a:rPr lang="pt-BR" sz="4800" b="1" u="sng" dirty="0" smtClean="0"/>
+              <a:rPr lang="pt-BR" sz="4800" b="1" u="sng" dirty="0"/>
               <a:t>Procedure (3/3)</a:t>
             </a:r>
-            <a:endParaRPr lang="pt-BR" sz="4800" b="1" u="sng" dirty="0"/>
           </a:p>
         </p:txBody>
       </p:sp>
@@ -3738,10 +3718,9 @@
           <a:lstStyle/>
           <a:p>
             <a:r>
-              <a:rPr lang="pt-BR" sz="4800" b="1" u="sng" dirty="0" smtClean="0"/>
+              <a:rPr lang="pt-BR" sz="4800" b="1" u="sng" dirty="0"/>
               <a:t>Trigger (1/3)</a:t>
             </a:r>
-            <a:endParaRPr lang="pt-BR" sz="4800" b="1" u="sng" dirty="0"/>
           </a:p>
         </p:txBody>
       </p:sp>
@@ -3822,10 +3801,9 @@
           <a:lstStyle/>
           <a:p>
             <a:r>
-              <a:rPr lang="pt-BR" sz="4800" b="1" u="sng" dirty="0" smtClean="0"/>
+              <a:rPr lang="pt-BR" sz="4800" b="1" u="sng" dirty="0"/>
               <a:t>Trigger (2/3)</a:t>
             </a:r>
-            <a:endParaRPr lang="pt-BR" sz="4800" b="1" u="sng" dirty="0"/>
           </a:p>
         </p:txBody>
       </p:sp>
@@ -3906,10 +3884,9 @@
           <a:lstStyle/>
           <a:p>
             <a:r>
-              <a:rPr lang="pt-BR" sz="4800" b="1" u="sng" dirty="0" smtClean="0"/>
+              <a:rPr lang="pt-BR" sz="4800" b="1" u="sng" dirty="0"/>
               <a:t>Trigger (3/3)</a:t>
             </a:r>
-            <a:endParaRPr lang="pt-BR" sz="4800" b="1" u="sng" dirty="0"/>
           </a:p>
         </p:txBody>
       </p:sp>
@@ -3990,21 +3967,44 @@
           <a:lstStyle/>
           <a:p>
             <a:r>
-              <a:rPr lang="pt-BR" sz="4800" b="1" u="sng" dirty="0" err="1" smtClean="0"/>
+              <a:rPr lang="pt-BR" sz="4800" b="1" u="sng" dirty="0" err="1"/>
               <a:t>View</a:t>
             </a:r>
             <a:r>
-              <a:rPr lang="pt-BR" sz="4800" b="1" u="sng" dirty="0" smtClean="0"/>
-              <a:t> / Consulta (1/4)</a:t>
-            </a:r>
-            <a:endParaRPr lang="pt-BR" sz="4800" b="1" u="sng" dirty="0"/>
-          </a:p>
-        </p:txBody>
-      </p:sp>
+              <a:rPr lang="pt-BR" sz="4800" b="1" u="sng" dirty="0"/>
+              <a:t> / Consulta 1 - Script</a:t>
+            </a:r>
+          </a:p>
+        </p:txBody>
+      </p:sp>
+      <p:pic>
+        <p:nvPicPr>
+          <p:cNvPr id="4" name="Imagem 3"/>
+          <p:cNvPicPr>
+            <a:picLocks noChangeAspect="1"/>
+          </p:cNvPicPr>
+          <p:nvPr/>
+        </p:nvPicPr>
+        <p:blipFill>
+          <a:blip r:embed="rId2"/>
+          <a:stretch>
+            <a:fillRect/>
+          </a:stretch>
+        </p:blipFill>
+        <p:spPr>
+          <a:xfrm>
+            <a:off x="330199" y="1168873"/>
+            <a:ext cx="7197035" cy="2554987"/>
+          </a:xfrm>
+          <a:prstGeom prst="rect">
+            <a:avLst/>
+          </a:prstGeom>
+        </p:spPr>
+      </p:pic>
     </p:spTree>
     <p:extLst>
       <p:ext uri="{BB962C8B-B14F-4D97-AF65-F5344CB8AC3E}">
-        <p14:creationId xmlns:p14="http://schemas.microsoft.com/office/powerpoint/2010/main" val="2217345095"/>
+        <p14:creationId xmlns:p14="http://schemas.microsoft.com/office/powerpoint/2010/main" val="2683927754"/>
       </p:ext>
     </p:extLst>
   </p:cSld>
@@ -4054,10 +4054,9 @@
           <a:lstStyle/>
           <a:p>
             <a:r>
-              <a:rPr lang="pt-BR" sz="6000" b="1" u="sng" dirty="0" smtClean="0"/>
+              <a:rPr lang="pt-BR" sz="6000" b="1" u="sng" dirty="0"/>
               <a:t>Tema</a:t>
             </a:r>
-            <a:endParaRPr lang="pt-BR" sz="6000" b="1" u="sng" dirty="0"/>
           </a:p>
         </p:txBody>
       </p:sp>
@@ -4077,7 +4076,7 @@
           <a:lstStyle/>
           <a:p>
             <a:r>
-              <a:rPr lang="pt-BR" sz="3600" dirty="0" smtClean="0"/>
+              <a:rPr lang="pt-BR" sz="3600" dirty="0"/>
               <a:t>Eleições Municipais – TSE</a:t>
             </a:r>
           </a:p>
@@ -4085,12 +4084,12 @@
             <a:pPr marL="0" indent="0">
               <a:buNone/>
             </a:pPr>
-            <a:endParaRPr lang="pt-BR" dirty="0" smtClean="0"/>
+            <a:endParaRPr lang="pt-BR" dirty="0"/>
           </a:p>
           <a:p>
             <a:pPr lvl="1"/>
             <a:r>
-              <a:rPr lang="pt-BR" sz="3200" dirty="0" smtClean="0"/>
+              <a:rPr lang="pt-BR" sz="3200" dirty="0"/>
               <a:t>Perfil dos candidatos;</a:t>
             </a:r>
           </a:p>
@@ -4098,25 +4097,25 @@
             <a:pPr marL="457200" lvl="1" indent="0">
               <a:buNone/>
             </a:pPr>
-            <a:endParaRPr lang="pt-BR" sz="3200" dirty="0" smtClean="0"/>
+            <a:endParaRPr lang="pt-BR" sz="3200" dirty="0"/>
           </a:p>
           <a:p>
             <a:pPr lvl="1"/>
             <a:r>
-              <a:rPr lang="pt-BR" sz="3200" dirty="0" smtClean="0"/>
+              <a:rPr lang="pt-BR" sz="3200" dirty="0"/>
               <a:t>Ano: 2012;</a:t>
             </a:r>
           </a:p>
           <a:p>
             <a:pPr lvl="2"/>
             <a:r>
-              <a:rPr lang="pt-BR" sz="2800" dirty="0" smtClean="0"/>
+              <a:rPr lang="pt-BR" sz="2800" dirty="0"/>
               <a:t>Dados de 2016 ainda não estão em dados.gov.br</a:t>
             </a:r>
           </a:p>
           <a:p>
             <a:pPr lvl="1"/>
-            <a:endParaRPr lang="pt-BR" dirty="0" smtClean="0"/>
+            <a:endParaRPr lang="pt-BR" dirty="0"/>
           </a:p>
         </p:txBody>
       </p:sp>
@@ -4173,21 +4172,68 @@
           <a:lstStyle/>
           <a:p>
             <a:r>
-              <a:rPr lang="pt-BR" sz="4800" b="1" u="sng" dirty="0" err="1" smtClean="0"/>
+              <a:rPr lang="pt-BR" sz="4800" b="1" u="sng" dirty="0" err="1"/>
               <a:t>View</a:t>
             </a:r>
             <a:r>
-              <a:rPr lang="pt-BR" sz="4800" b="1" u="sng" dirty="0" smtClean="0"/>
-              <a:t> / Consulta (2/4)</a:t>
-            </a:r>
-            <a:endParaRPr lang="pt-BR" sz="4800" b="1" u="sng" dirty="0"/>
-          </a:p>
-        </p:txBody>
-      </p:sp>
+              <a:rPr lang="pt-BR" sz="4800" b="1" u="sng" dirty="0"/>
+              <a:t> / Consulta 1 - Resultado</a:t>
+            </a:r>
+          </a:p>
+        </p:txBody>
+      </p:sp>
+      <p:pic>
+        <p:nvPicPr>
+          <p:cNvPr id="3" name="Imagem 2"/>
+          <p:cNvPicPr>
+            <a:picLocks noChangeAspect="1"/>
+          </p:cNvPicPr>
+          <p:nvPr/>
+        </p:nvPicPr>
+        <p:blipFill>
+          <a:blip r:embed="rId2"/>
+          <a:stretch>
+            <a:fillRect/>
+          </a:stretch>
+        </p:blipFill>
+        <p:spPr>
+          <a:xfrm>
+            <a:off x="4505739" y="3723861"/>
+            <a:ext cx="7686261" cy="3134139"/>
+          </a:xfrm>
+          <a:prstGeom prst="rect">
+            <a:avLst/>
+          </a:prstGeom>
+        </p:spPr>
+      </p:pic>
+      <p:pic>
+        <p:nvPicPr>
+          <p:cNvPr id="4" name="Imagem 3"/>
+          <p:cNvPicPr>
+            <a:picLocks noChangeAspect="1"/>
+          </p:cNvPicPr>
+          <p:nvPr/>
+        </p:nvPicPr>
+        <p:blipFill>
+          <a:blip r:embed="rId3"/>
+          <a:stretch>
+            <a:fillRect/>
+          </a:stretch>
+        </p:blipFill>
+        <p:spPr>
+          <a:xfrm>
+            <a:off x="330199" y="1168873"/>
+            <a:ext cx="7197035" cy="2554987"/>
+          </a:xfrm>
+          <a:prstGeom prst="rect">
+            <a:avLst/>
+          </a:prstGeom>
+        </p:spPr>
+      </p:pic>
     </p:spTree>
     <p:extLst>
       <p:ext uri="{BB962C8B-B14F-4D97-AF65-F5344CB8AC3E}">
-        <p14:creationId xmlns:p14="http://schemas.microsoft.com/office/powerpoint/2010/main" val="3879203772"/>
+        <p14:creationId xmlns:p14="http://schemas.microsoft.com/office/powerpoint/2010/main" val="2217345095"/>
       </p:ext>
     </p:extLst>
   </p:cSld>
@@ -4237,21 +4283,44 @@
           <a:lstStyle/>
           <a:p>
             <a:r>
-              <a:rPr lang="pt-BR" sz="4800" b="1" u="sng" dirty="0" err="1" smtClean="0"/>
+              <a:rPr lang="pt-BR" sz="4800" b="1" u="sng" dirty="0" err="1"/>
               <a:t>View</a:t>
             </a:r>
             <a:r>
-              <a:rPr lang="pt-BR" sz="4800" b="1" u="sng" dirty="0" smtClean="0"/>
-              <a:t> / Consulta (3/4)</a:t>
-            </a:r>
-            <a:endParaRPr lang="pt-BR" sz="4800" b="1" u="sng" dirty="0"/>
-          </a:p>
-        </p:txBody>
-      </p:sp>
+              <a:rPr lang="pt-BR" sz="4800" b="1" u="sng" dirty="0"/>
+              <a:t> / Consulta 2 - Script</a:t>
+            </a:r>
+          </a:p>
+        </p:txBody>
+      </p:sp>
+      <p:pic>
+        <p:nvPicPr>
+          <p:cNvPr id="3" name="Imagem 2"/>
+          <p:cNvPicPr>
+            <a:picLocks noChangeAspect="1"/>
+          </p:cNvPicPr>
+          <p:nvPr/>
+        </p:nvPicPr>
+        <p:blipFill>
+          <a:blip r:embed="rId2"/>
+          <a:stretch>
+            <a:fillRect/>
+          </a:stretch>
+        </p:blipFill>
+        <p:spPr>
+          <a:xfrm>
+            <a:off x="330199" y="899887"/>
+            <a:ext cx="7668000" cy="2307682"/>
+          </a:xfrm>
+          <a:prstGeom prst="rect">
+            <a:avLst/>
+          </a:prstGeom>
+        </p:spPr>
+      </p:pic>
     </p:spTree>
     <p:extLst>
       <p:ext uri="{BB962C8B-B14F-4D97-AF65-F5344CB8AC3E}">
-        <p14:creationId xmlns:p14="http://schemas.microsoft.com/office/powerpoint/2010/main" val="856292454"/>
+        <p14:creationId xmlns:p14="http://schemas.microsoft.com/office/powerpoint/2010/main" val="3879203772"/>
       </p:ext>
     </p:extLst>
   </p:cSld>
@@ -4301,21 +4370,68 @@
           <a:lstStyle/>
           <a:p>
             <a:r>
-              <a:rPr lang="pt-BR" sz="4800" b="1" u="sng" dirty="0" err="1" smtClean="0"/>
+              <a:rPr lang="pt-BR" sz="4800" b="1" u="sng" dirty="0" err="1"/>
               <a:t>View</a:t>
             </a:r>
             <a:r>
-              <a:rPr lang="pt-BR" sz="4800" b="1" u="sng" dirty="0" smtClean="0"/>
-              <a:t> / Consulta (4/4)</a:t>
-            </a:r>
-            <a:endParaRPr lang="pt-BR" sz="4800" b="1" u="sng" dirty="0"/>
-          </a:p>
-        </p:txBody>
-      </p:sp>
+              <a:rPr lang="pt-BR" sz="4800" b="1" u="sng" dirty="0"/>
+              <a:t> / Consulta 2 - Resultado</a:t>
+            </a:r>
+          </a:p>
+        </p:txBody>
+      </p:sp>
+      <p:pic>
+        <p:nvPicPr>
+          <p:cNvPr id="3" name="Imagem 2"/>
+          <p:cNvPicPr>
+            <a:picLocks noChangeAspect="1"/>
+          </p:cNvPicPr>
+          <p:nvPr/>
+        </p:nvPicPr>
+        <p:blipFill>
+          <a:blip r:embed="rId2"/>
+          <a:stretch>
+            <a:fillRect/>
+          </a:stretch>
+        </p:blipFill>
+        <p:spPr>
+          <a:xfrm>
+            <a:off x="330199" y="899887"/>
+            <a:ext cx="7668000" cy="2307682"/>
+          </a:xfrm>
+          <a:prstGeom prst="rect">
+            <a:avLst/>
+          </a:prstGeom>
+        </p:spPr>
+      </p:pic>
+      <p:pic>
+        <p:nvPicPr>
+          <p:cNvPr id="4" name="Imagem 3"/>
+          <p:cNvPicPr>
+            <a:picLocks noChangeAspect="1"/>
+          </p:cNvPicPr>
+          <p:nvPr/>
+        </p:nvPicPr>
+        <p:blipFill>
+          <a:blip r:embed="rId3"/>
+          <a:stretch>
+            <a:fillRect/>
+          </a:stretch>
+        </p:blipFill>
+        <p:spPr>
+          <a:xfrm>
+            <a:off x="5420139" y="1478238"/>
+            <a:ext cx="6771861" cy="5379762"/>
+          </a:xfrm>
+          <a:prstGeom prst="rect">
+            <a:avLst/>
+          </a:prstGeom>
+        </p:spPr>
+      </p:pic>
     </p:spTree>
     <p:extLst>
       <p:ext uri="{BB962C8B-B14F-4D97-AF65-F5344CB8AC3E}">
-        <p14:creationId xmlns:p14="http://schemas.microsoft.com/office/powerpoint/2010/main" val="1691627957"/>
+        <p14:creationId xmlns:p14="http://schemas.microsoft.com/office/powerpoint/2010/main" val="856292454"/>
       </p:ext>
     </p:extLst>
   </p:cSld>
@@ -4354,8 +4470,8 @@
         </p:nvSpPr>
         <p:spPr>
           <a:xfrm>
-            <a:off x="482600" y="187325"/>
-            <a:ext cx="10515600" cy="1325563"/>
+            <a:off x="330200" y="1"/>
+            <a:ext cx="10515600" cy="899886"/>
           </a:xfrm>
         </p:spPr>
         <p:txBody>
@@ -4365,106 +4481,44 @@
           <a:lstStyle/>
           <a:p>
             <a:r>
-              <a:rPr lang="pt-BR" sz="6000" b="1" u="sng" dirty="0" smtClean="0"/>
-              <a:t>ETL</a:t>
-            </a:r>
-            <a:endParaRPr lang="pt-BR" sz="6000" b="1" u="sng" dirty="0"/>
-          </a:p>
-        </p:txBody>
-      </p:sp>
-      <p:sp>
-        <p:nvSpPr>
-          <p:cNvPr id="3" name="Espaço Reservado para Conteúdo 2"/>
-          <p:cNvSpPr>
-            <a:spLocks noGrp="1"/>
-          </p:cNvSpPr>
-          <p:nvPr>
-            <p:ph idx="1"/>
-          </p:nvPr>
-        </p:nvSpPr>
-        <p:spPr/>
-        <p:txBody>
-          <a:bodyPr>
-            <a:normAutofit lnSpcReduction="10000"/>
-          </a:bodyPr>
-          <a:lstStyle/>
-          <a:p>
-            <a:r>
-              <a:rPr lang="pt-BR" sz="3600" dirty="0" smtClean="0"/>
-              <a:t>Aplicação Java</a:t>
-            </a:r>
-          </a:p>
-          <a:p>
-            <a:pPr marL="0" indent="0">
-              <a:buNone/>
-            </a:pPr>
-            <a:endParaRPr lang="pt-BR" dirty="0" smtClean="0"/>
-          </a:p>
-          <a:p>
-            <a:pPr lvl="1"/>
-            <a:r>
-              <a:rPr lang="pt-BR" sz="3200" dirty="0" smtClean="0"/>
-              <a:t>Seleção de arquivos;</a:t>
-            </a:r>
-          </a:p>
-          <a:p>
-            <a:pPr lvl="2"/>
-            <a:r>
-              <a:rPr lang="pt-BR" sz="2800" dirty="0" smtClean="0"/>
-              <a:t>Individualmente;</a:t>
-            </a:r>
-          </a:p>
-          <a:p>
-            <a:pPr lvl="2"/>
-            <a:r>
-              <a:rPr lang="pt-BR" sz="2800" dirty="0" smtClean="0"/>
-              <a:t>Diretório completo.</a:t>
-            </a:r>
-          </a:p>
-          <a:p>
-            <a:pPr marL="457200" lvl="1" indent="0">
-              <a:buNone/>
-            </a:pPr>
-            <a:endParaRPr lang="pt-BR" sz="3200" dirty="0" smtClean="0"/>
-          </a:p>
-          <a:p>
-            <a:pPr lvl="1"/>
-            <a:r>
-              <a:rPr lang="pt-BR" sz="3200" dirty="0" smtClean="0"/>
-              <a:t>Conversão de linha de arquivo em objeto;</a:t>
-            </a:r>
-          </a:p>
-          <a:p>
-            <a:pPr marL="457200" lvl="1" indent="0">
-              <a:buNone/>
-            </a:pPr>
-            <a:endParaRPr lang="pt-BR" sz="3200" dirty="0" smtClean="0"/>
-          </a:p>
-          <a:p>
-            <a:pPr lvl="1"/>
-            <a:r>
-              <a:rPr lang="pt-BR" sz="2800" dirty="0" smtClean="0"/>
-              <a:t>Persistência no banco de dados por meio do </a:t>
-            </a:r>
-            <a:r>
-              <a:rPr lang="pt-BR" sz="2800" dirty="0" err="1" smtClean="0"/>
-              <a:t>Hibernate</a:t>
-            </a:r>
-            <a:r>
-              <a:rPr lang="pt-BR" sz="2800" dirty="0" smtClean="0"/>
-              <a:t>.</a:t>
-            </a:r>
-          </a:p>
-          <a:p>
-            <a:pPr lvl="1"/>
-            <a:endParaRPr lang="pt-BR" dirty="0" smtClean="0"/>
-          </a:p>
-        </p:txBody>
-      </p:sp>
+              <a:rPr lang="pt-BR" sz="4800" b="1" u="sng" dirty="0" err="1"/>
+              <a:t>View</a:t>
+            </a:r>
+            <a:r>
+              <a:rPr lang="pt-BR" sz="4800" b="1" u="sng" dirty="0"/>
+              <a:t> / Consulta 3 - Script</a:t>
+            </a:r>
+          </a:p>
+        </p:txBody>
+      </p:sp>
+      <p:pic>
+        <p:nvPicPr>
+          <p:cNvPr id="4" name="Imagem 3"/>
+          <p:cNvPicPr>
+            <a:picLocks noChangeAspect="1"/>
+          </p:cNvPicPr>
+          <p:nvPr/>
+        </p:nvPicPr>
+        <p:blipFill>
+          <a:blip r:embed="rId2"/>
+          <a:stretch>
+            <a:fillRect/>
+          </a:stretch>
+        </p:blipFill>
+        <p:spPr>
+          <a:xfrm>
+            <a:off x="330200" y="899887"/>
+            <a:ext cx="5438644" cy="2808000"/>
+          </a:xfrm>
+          <a:prstGeom prst="rect">
+            <a:avLst/>
+          </a:prstGeom>
+        </p:spPr>
+      </p:pic>
     </p:spTree>
     <p:extLst>
       <p:ext uri="{BB962C8B-B14F-4D97-AF65-F5344CB8AC3E}">
-        <p14:creationId xmlns:p14="http://schemas.microsoft.com/office/powerpoint/2010/main" val="2130420875"/>
+        <p14:creationId xmlns:p14="http://schemas.microsoft.com/office/powerpoint/2010/main" val="1691627957"/>
       </p:ext>
     </p:extLst>
   </p:cSld>
@@ -4498,6 +4552,360 @@
             <a:spLocks noGrp="1"/>
           </p:cNvSpPr>
           <p:nvPr>
+            <p:ph type="title"/>
+          </p:nvPr>
+        </p:nvSpPr>
+        <p:spPr>
+          <a:xfrm>
+            <a:off x="330200" y="1"/>
+            <a:ext cx="10515600" cy="899886"/>
+          </a:xfrm>
+        </p:spPr>
+        <p:txBody>
+          <a:bodyPr>
+            <a:normAutofit/>
+          </a:bodyPr>
+          <a:lstStyle/>
+          <a:p>
+            <a:r>
+              <a:rPr lang="pt-BR" sz="4800" b="1" u="sng" dirty="0" err="1"/>
+              <a:t>View</a:t>
+            </a:r>
+            <a:r>
+              <a:rPr lang="pt-BR" sz="4800" b="1" u="sng" dirty="0"/>
+              <a:t> / Consulta 3 - Script</a:t>
+            </a:r>
+          </a:p>
+        </p:txBody>
+      </p:sp>
+      <p:pic>
+        <p:nvPicPr>
+          <p:cNvPr id="4" name="Imagem 3"/>
+          <p:cNvPicPr>
+            <a:picLocks noChangeAspect="1"/>
+          </p:cNvPicPr>
+          <p:nvPr/>
+        </p:nvPicPr>
+        <p:blipFill>
+          <a:blip r:embed="rId2"/>
+          <a:stretch>
+            <a:fillRect/>
+          </a:stretch>
+        </p:blipFill>
+        <p:spPr>
+          <a:xfrm>
+            <a:off x="330200" y="899887"/>
+            <a:ext cx="5438644" cy="2808000"/>
+          </a:xfrm>
+          <a:prstGeom prst="rect">
+            <a:avLst/>
+          </a:prstGeom>
+        </p:spPr>
+      </p:pic>
+      <p:pic>
+        <p:nvPicPr>
+          <p:cNvPr id="3" name="Imagem 2"/>
+          <p:cNvPicPr>
+            <a:picLocks noChangeAspect="1"/>
+          </p:cNvPicPr>
+          <p:nvPr/>
+        </p:nvPicPr>
+        <p:blipFill>
+          <a:blip r:embed="rId3"/>
+          <a:stretch>
+            <a:fillRect/>
+          </a:stretch>
+        </p:blipFill>
+        <p:spPr>
+          <a:xfrm>
+            <a:off x="5940615" y="1782000"/>
+            <a:ext cx="6251385" cy="5076000"/>
+          </a:xfrm>
+          <a:prstGeom prst="rect">
+            <a:avLst/>
+          </a:prstGeom>
+        </p:spPr>
+      </p:pic>
+    </p:spTree>
+    <p:extLst>
+      <p:ext uri="{BB962C8B-B14F-4D97-AF65-F5344CB8AC3E}">
+        <p14:creationId xmlns:p14="http://schemas.microsoft.com/office/powerpoint/2010/main" val="2463867367"/>
+      </p:ext>
+    </p:extLst>
+  </p:cSld>
+  <p:clrMapOvr>
+    <a:masterClrMapping/>
+  </p:clrMapOvr>
+</p:sld>
+</file>
+
+<file path=ppt/slides/slide25.xml><?xml version="1.0" encoding="utf-8"?>
+<p:sld xmlns:a="http://schemas.openxmlformats.org/drawingml/2006/main" xmlns:r="http://schemas.openxmlformats.org/officeDocument/2006/relationships" xmlns:p="http://schemas.openxmlformats.org/presentationml/2006/main">
+  <p:cSld>
+    <p:spTree>
+      <p:nvGrpSpPr>
+        <p:cNvPr id="1" name=""/>
+        <p:cNvGrpSpPr/>
+        <p:nvPr/>
+      </p:nvGrpSpPr>
+      <p:grpSpPr>
+        <a:xfrm>
+          <a:off x="0" y="0"/>
+          <a:ext cx="0" cy="0"/>
+          <a:chOff x="0" y="0"/>
+          <a:chExt cx="0" cy="0"/>
+        </a:xfrm>
+      </p:grpSpPr>
+      <p:sp>
+        <p:nvSpPr>
+          <p:cNvPr id="2" name="Título 1"/>
+          <p:cNvSpPr>
+            <a:spLocks noGrp="1"/>
+          </p:cNvSpPr>
+          <p:nvPr>
+            <p:ph type="title"/>
+          </p:nvPr>
+        </p:nvSpPr>
+        <p:spPr>
+          <a:xfrm>
+            <a:off x="482600" y="187326"/>
+            <a:ext cx="10515600" cy="780084"/>
+          </a:xfrm>
+        </p:spPr>
+        <p:txBody>
+          <a:bodyPr>
+            <a:normAutofit fontScale="90000"/>
+          </a:bodyPr>
+          <a:lstStyle/>
+          <a:p>
+            <a:r>
+              <a:rPr lang="pt-BR" sz="6000" b="1" u="sng" dirty="0"/>
+              <a:t>ETL</a:t>
+            </a:r>
+          </a:p>
+        </p:txBody>
+      </p:sp>
+      <p:sp>
+        <p:nvSpPr>
+          <p:cNvPr id="3" name="Espaço Reservado para Conteúdo 2"/>
+          <p:cNvSpPr>
+            <a:spLocks noGrp="1"/>
+          </p:cNvSpPr>
+          <p:nvPr>
+            <p:ph idx="1"/>
+          </p:nvPr>
+        </p:nvSpPr>
+        <p:spPr>
+          <a:xfrm>
+            <a:off x="811696" y="1176269"/>
+            <a:ext cx="10515600" cy="4351338"/>
+          </a:xfrm>
+        </p:spPr>
+        <p:txBody>
+          <a:bodyPr>
+            <a:normAutofit/>
+          </a:bodyPr>
+          <a:lstStyle/>
+          <a:p>
+            <a:r>
+              <a:rPr lang="pt-BR" sz="3600" dirty="0"/>
+              <a:t>Aplicação Java</a:t>
+            </a:r>
+          </a:p>
+          <a:p>
+            <a:pPr marL="0" indent="0">
+              <a:buNone/>
+            </a:pPr>
+            <a:endParaRPr lang="pt-BR" dirty="0"/>
+          </a:p>
+          <a:p>
+            <a:pPr lvl="1"/>
+            <a:r>
+              <a:rPr lang="pt-BR" sz="2800" dirty="0"/>
+              <a:t>Seleção de arquivos;</a:t>
+            </a:r>
+          </a:p>
+          <a:p>
+            <a:pPr lvl="2"/>
+            <a:r>
+              <a:rPr lang="pt-BR" sz="2800" dirty="0"/>
+              <a:t>Individualmente;</a:t>
+            </a:r>
+          </a:p>
+          <a:p>
+            <a:pPr lvl="2"/>
+            <a:r>
+              <a:rPr lang="pt-BR" sz="2800" dirty="0"/>
+              <a:t>Diretório completo.</a:t>
+            </a:r>
+          </a:p>
+          <a:p>
+            <a:pPr marL="457200" lvl="1" indent="0">
+              <a:buNone/>
+            </a:pPr>
+            <a:endParaRPr lang="pt-BR" sz="2800" dirty="0"/>
+          </a:p>
+          <a:p>
+            <a:pPr lvl="1"/>
+            <a:r>
+              <a:rPr lang="pt-BR" sz="2800" dirty="0"/>
+              <a:t>Conversão de linha de arquivo em objeto;</a:t>
+            </a:r>
+          </a:p>
+          <a:p>
+            <a:pPr marL="457200" lvl="1" indent="0">
+              <a:buNone/>
+            </a:pPr>
+            <a:endParaRPr lang="pt-BR" sz="2800" dirty="0"/>
+          </a:p>
+          <a:p>
+            <a:pPr lvl="1"/>
+            <a:r>
+              <a:rPr lang="pt-BR" sz="2800" dirty="0"/>
+              <a:t>Persistência no banco de dados por meio do </a:t>
+            </a:r>
+            <a:r>
+              <a:rPr lang="pt-BR" sz="2800" dirty="0" err="1"/>
+              <a:t>Hibernate</a:t>
+            </a:r>
+            <a:r>
+              <a:rPr lang="pt-BR" sz="2800" dirty="0"/>
+              <a:t>.</a:t>
+            </a:r>
+          </a:p>
+          <a:p>
+            <a:pPr marL="457200" lvl="1" indent="0">
+              <a:buNone/>
+            </a:pPr>
+            <a:endParaRPr lang="pt-BR" sz="2800" dirty="0"/>
+          </a:p>
+          <a:p>
+            <a:pPr lvl="1"/>
+            <a:endParaRPr lang="pt-BR" dirty="0"/>
+          </a:p>
+        </p:txBody>
+      </p:sp>
+    </p:spTree>
+    <p:extLst>
+      <p:ext uri="{BB962C8B-B14F-4D97-AF65-F5344CB8AC3E}">
+        <p14:creationId xmlns:p14="http://schemas.microsoft.com/office/powerpoint/2010/main" val="2130420875"/>
+      </p:ext>
+    </p:extLst>
+  </p:cSld>
+  <p:clrMapOvr>
+    <a:masterClrMapping/>
+  </p:clrMapOvr>
+</p:sld>
+</file>
+
+<file path=ppt/slides/slide26.xml><?xml version="1.0" encoding="utf-8"?>
+<p:sld xmlns:a="http://schemas.openxmlformats.org/drawingml/2006/main" xmlns:r="http://schemas.openxmlformats.org/officeDocument/2006/relationships" xmlns:p="http://schemas.openxmlformats.org/presentationml/2006/main">
+  <p:cSld>
+    <p:spTree>
+      <p:nvGrpSpPr>
+        <p:cNvPr id="1" name=""/>
+        <p:cNvGrpSpPr/>
+        <p:nvPr/>
+      </p:nvGrpSpPr>
+      <p:grpSpPr>
+        <a:xfrm>
+          <a:off x="0" y="0"/>
+          <a:ext cx="0" cy="0"/>
+          <a:chOff x="0" y="0"/>
+          <a:chExt cx="0" cy="0"/>
+        </a:xfrm>
+      </p:grpSpPr>
+      <p:sp>
+        <p:nvSpPr>
+          <p:cNvPr id="4" name="Espaço Reservado para Conteúdo 3"/>
+          <p:cNvSpPr>
+            <a:spLocks noGrp="1"/>
+          </p:cNvSpPr>
+          <p:nvPr>
+            <p:ph idx="1"/>
+          </p:nvPr>
+        </p:nvSpPr>
+        <p:spPr>
+          <a:xfrm>
+            <a:off x="838200" y="304800"/>
+            <a:ext cx="10515600" cy="5872163"/>
+          </a:xfrm>
+        </p:spPr>
+        <p:txBody>
+          <a:bodyPr>
+            <a:normAutofit/>
+          </a:bodyPr>
+          <a:lstStyle/>
+          <a:p>
+            <a:pPr marL="0" indent="0">
+              <a:buNone/>
+            </a:pPr>
+            <a:r>
+              <a:rPr lang="pt-BR" sz="6000" b="1" u="sng" dirty="0"/>
+              <a:t>Arquivos no GitHub:</a:t>
+            </a:r>
+          </a:p>
+          <a:p>
+            <a:pPr marL="0" indent="0">
+              <a:buNone/>
+            </a:pPr>
+            <a:endParaRPr lang="pt-BR" sz="4400" dirty="0"/>
+          </a:p>
+          <a:p>
+            <a:pPr marL="0" indent="0">
+              <a:buNone/>
+            </a:pPr>
+            <a:endParaRPr lang="pt-BR" sz="4400" dirty="0"/>
+          </a:p>
+          <a:p>
+            <a:pPr marL="0" indent="0">
+              <a:buNone/>
+            </a:pPr>
+            <a:r>
+              <a:rPr lang="pt-BR" sz="4400" dirty="0"/>
+              <a:t>	http://goo.gl/lDzdgX</a:t>
+            </a:r>
+            <a:endParaRPr lang="pt-BR" sz="4400" dirty="0"/>
+          </a:p>
+        </p:txBody>
+      </p:sp>
+    </p:spTree>
+    <p:extLst>
+      <p:ext uri="{BB962C8B-B14F-4D97-AF65-F5344CB8AC3E}">
+        <p14:creationId xmlns:p14="http://schemas.microsoft.com/office/powerpoint/2010/main" val="675415621"/>
+      </p:ext>
+    </p:extLst>
+  </p:cSld>
+  <p:clrMapOvr>
+    <a:masterClrMapping/>
+  </p:clrMapOvr>
+</p:sld>
+</file>
+
+<file path=ppt/slides/slide27.xml><?xml version="1.0" encoding="utf-8"?>
+<p:sld xmlns:a="http://schemas.openxmlformats.org/drawingml/2006/main" xmlns:r="http://schemas.openxmlformats.org/officeDocument/2006/relationships" xmlns:p="http://schemas.openxmlformats.org/presentationml/2006/main">
+  <p:cSld>
+    <p:spTree>
+      <p:nvGrpSpPr>
+        <p:cNvPr id="1" name=""/>
+        <p:cNvGrpSpPr/>
+        <p:nvPr/>
+      </p:nvGrpSpPr>
+      <p:grpSpPr>
+        <a:xfrm>
+          <a:off x="0" y="0"/>
+          <a:ext cx="0" cy="0"/>
+          <a:chOff x="0" y="0"/>
+          <a:chExt cx="0" cy="0"/>
+        </a:xfrm>
+      </p:grpSpPr>
+      <p:sp>
+        <p:nvSpPr>
+          <p:cNvPr id="2" name="Título 1"/>
+          <p:cNvSpPr>
+            <a:spLocks noGrp="1"/>
+          </p:cNvSpPr>
+          <p:nvPr>
             <p:ph type="ctrTitle"/>
           </p:nvPr>
         </p:nvSpPr>
@@ -4514,19 +4922,11 @@
           <a:lstStyle/>
           <a:p>
             <a:r>
-              <a:rPr lang="pt-BR" sz="7200" b="1" u="sng" dirty="0" smtClean="0"/>
-              <a:t>OBRIGADO!!!</a:t>
-            </a:r>
-            <a:r>
-              <a:rPr lang="pt-BR" sz="7200" b="1" u="sng" dirty="0" smtClean="0">
-                <a:solidFill>
-                  <a:srgbClr val="EEE8D5"/>
-                </a:solidFill>
-              </a:rPr>
-              <a:t/>
+              <a:rPr lang="pt-BR" sz="7200" b="1" u="sng" dirty="0"/>
+              <a:t>FIM!!!</a:t>
             </a:r>
             <a:br>
-              <a:rPr lang="pt-BR" sz="7200" b="1" u="sng" dirty="0" smtClean="0">
+              <a:rPr lang="pt-BR" sz="7200" b="1" u="sng" dirty="0">
                 <a:solidFill>
                   <a:srgbClr val="EEE8D5"/>
                 </a:solidFill>
@@ -4607,10 +5007,9 @@
           <a:lstStyle/>
           <a:p>
             <a:r>
-              <a:rPr lang="pt-BR" b="1" u="sng" dirty="0" smtClean="0"/>
+              <a:rPr lang="pt-BR" b="1" u="sng" dirty="0"/>
               <a:t>Modelo de Entidades e Relacionamentos</a:t>
             </a:r>
-            <a:endParaRPr lang="pt-BR" b="1" u="sng" dirty="0"/>
           </a:p>
         </p:txBody>
       </p:sp>
@@ -4681,10 +5080,9 @@
           <a:lstStyle/>
           <a:p>
             <a:r>
-              <a:rPr lang="pt-BR" b="1" u="sng" dirty="0" smtClean="0"/>
+              <a:rPr lang="pt-BR" b="1" u="sng" dirty="0"/>
               <a:t>Modelo Relacional</a:t>
             </a:r>
-            <a:endParaRPr lang="pt-BR" b="1" u="sng" dirty="0"/>
           </a:p>
         </p:txBody>
       </p:sp>
@@ -4755,10 +5153,9 @@
           <a:lstStyle/>
           <a:p>
             <a:r>
-              <a:rPr lang="pt-BR" b="1" u="sng" dirty="0" smtClean="0"/>
+              <a:rPr lang="pt-BR" b="1" u="sng" dirty="0"/>
               <a:t>Normalização 1/5</a:t>
             </a:r>
-            <a:endParaRPr lang="pt-BR" b="1" u="sng" dirty="0"/>
           </a:p>
         </p:txBody>
       </p:sp>
@@ -4829,10 +5226,9 @@
           <a:lstStyle/>
           <a:p>
             <a:r>
-              <a:rPr lang="pt-BR" b="1" u="sng" dirty="0" smtClean="0"/>
+              <a:rPr lang="pt-BR" b="1" u="sng" dirty="0"/>
               <a:t>Normalização 2/5</a:t>
             </a:r>
-            <a:endParaRPr lang="pt-BR" b="1" u="sng" dirty="0"/>
           </a:p>
         </p:txBody>
       </p:sp>
@@ -4897,10 +5293,9 @@
           <a:lstStyle/>
           <a:p>
             <a:r>
-              <a:rPr lang="pt-BR" b="1" u="sng" dirty="0" smtClean="0"/>
+              <a:rPr lang="pt-BR" b="1" u="sng" dirty="0"/>
               <a:t>Normalização 3/5</a:t>
             </a:r>
-            <a:endParaRPr lang="pt-BR" b="1" u="sng" dirty="0"/>
           </a:p>
         </p:txBody>
       </p:sp>
@@ -4989,10 +5384,9 @@
           <a:lstStyle/>
           <a:p>
             <a:r>
-              <a:rPr lang="pt-BR" b="1" u="sng" dirty="0" smtClean="0"/>
+              <a:rPr lang="pt-BR" b="1" u="sng" dirty="0"/>
               <a:t>Normalização 4/5</a:t>
             </a:r>
-            <a:endParaRPr lang="pt-BR" b="1" u="sng" dirty="0"/>
           </a:p>
         </p:txBody>
       </p:sp>
@@ -5073,10 +5467,9 @@
           <a:lstStyle/>
           <a:p>
             <a:r>
-              <a:rPr lang="pt-BR" b="1" u="sng" dirty="0" smtClean="0"/>
+              <a:rPr lang="pt-BR" b="1" u="sng" dirty="0"/>
               <a:t>Normalização 5/5</a:t>
             </a:r>
-            <a:endParaRPr lang="pt-BR" b="1" u="sng" dirty="0"/>
           </a:p>
         </p:txBody>
       </p:sp>
